--- a/lectures/02/Тест.pptx
+++ b/lectures/02/Тест.pptx
@@ -295,7 +295,7 @@
           <a:p>
             <a:fld id="{4075B838-E50B-4891-8B04-332C0AF6C361}" type="datetimeFigureOut">
               <a:rPr lang="ru-RU" smtClean="0"/>
-              <a:t>07.04.2015</a:t>
+              <a:t>26.03.2020</a:t>
             </a:fld>
             <a:endParaRPr lang="ru-RU"/>
           </a:p>
@@ -465,7 +465,7 @@
           <a:p>
             <a:fld id="{4075B838-E50B-4891-8B04-332C0AF6C361}" type="datetimeFigureOut">
               <a:rPr lang="ru-RU" smtClean="0"/>
-              <a:t>07.04.2015</a:t>
+              <a:t>26.03.2020</a:t>
             </a:fld>
             <a:endParaRPr lang="ru-RU"/>
           </a:p>
@@ -645,7 +645,7 @@
           <a:p>
             <a:fld id="{4075B838-E50B-4891-8B04-332C0AF6C361}" type="datetimeFigureOut">
               <a:rPr lang="ru-RU" smtClean="0"/>
-              <a:t>07.04.2015</a:t>
+              <a:t>26.03.2020</a:t>
             </a:fld>
             <a:endParaRPr lang="ru-RU"/>
           </a:p>
@@ -815,7 +815,7 @@
           <a:p>
             <a:fld id="{4075B838-E50B-4891-8B04-332C0AF6C361}" type="datetimeFigureOut">
               <a:rPr lang="ru-RU" smtClean="0"/>
-              <a:t>07.04.2015</a:t>
+              <a:t>26.03.2020</a:t>
             </a:fld>
             <a:endParaRPr lang="ru-RU"/>
           </a:p>
@@ -1068,7 +1068,7 @@
           <a:p>
             <a:fld id="{4075B838-E50B-4891-8B04-332C0AF6C361}" type="datetimeFigureOut">
               <a:rPr lang="ru-RU" smtClean="0"/>
-              <a:t>07.04.2015</a:t>
+              <a:t>26.03.2020</a:t>
             </a:fld>
             <a:endParaRPr lang="ru-RU"/>
           </a:p>
@@ -1356,7 +1356,7 @@
           <a:p>
             <a:fld id="{4075B838-E50B-4891-8B04-332C0AF6C361}" type="datetimeFigureOut">
               <a:rPr lang="ru-RU" smtClean="0"/>
-              <a:t>07.04.2015</a:t>
+              <a:t>26.03.2020</a:t>
             </a:fld>
             <a:endParaRPr lang="ru-RU"/>
           </a:p>
@@ -1778,7 +1778,7 @@
           <a:p>
             <a:fld id="{4075B838-E50B-4891-8B04-332C0AF6C361}" type="datetimeFigureOut">
               <a:rPr lang="ru-RU" smtClean="0"/>
-              <a:t>07.04.2015</a:t>
+              <a:t>26.03.2020</a:t>
             </a:fld>
             <a:endParaRPr lang="ru-RU"/>
           </a:p>
@@ -1896,7 +1896,7 @@
           <a:p>
             <a:fld id="{4075B838-E50B-4891-8B04-332C0AF6C361}" type="datetimeFigureOut">
               <a:rPr lang="ru-RU" smtClean="0"/>
-              <a:t>07.04.2015</a:t>
+              <a:t>26.03.2020</a:t>
             </a:fld>
             <a:endParaRPr lang="ru-RU"/>
           </a:p>
@@ -1991,7 +1991,7 @@
           <a:p>
             <a:fld id="{4075B838-E50B-4891-8B04-332C0AF6C361}" type="datetimeFigureOut">
               <a:rPr lang="ru-RU" smtClean="0"/>
-              <a:t>07.04.2015</a:t>
+              <a:t>26.03.2020</a:t>
             </a:fld>
             <a:endParaRPr lang="ru-RU"/>
           </a:p>
@@ -2268,7 +2268,7 @@
           <a:p>
             <a:fld id="{4075B838-E50B-4891-8B04-332C0AF6C361}" type="datetimeFigureOut">
               <a:rPr lang="ru-RU" smtClean="0"/>
-              <a:t>07.04.2015</a:t>
+              <a:t>26.03.2020</a:t>
             </a:fld>
             <a:endParaRPr lang="ru-RU"/>
           </a:p>
@@ -2521,7 +2521,7 @@
           <a:p>
             <a:fld id="{4075B838-E50B-4891-8B04-332C0AF6C361}" type="datetimeFigureOut">
               <a:rPr lang="ru-RU" smtClean="0"/>
-              <a:t>07.04.2015</a:t>
+              <a:t>26.03.2020</a:t>
             </a:fld>
             <a:endParaRPr lang="ru-RU"/>
           </a:p>
@@ -2734,7 +2734,7 @@
           <a:p>
             <a:fld id="{4075B838-E50B-4891-8B04-332C0AF6C361}" type="datetimeFigureOut">
               <a:rPr lang="ru-RU" smtClean="0"/>
-              <a:t>07.04.2015</a:t>
+              <a:t>26.03.2020</a:t>
             </a:fld>
             <a:endParaRPr lang="ru-RU"/>
           </a:p>
@@ -3318,8 +3318,13 @@
             </a:r>
             <a:r>
               <a:rPr lang="ru-RU" dirty="0" smtClean="0"/>
-              <a:t>Его закрытыми полями</a:t>
-            </a:r>
+              <a:t>Его закрытыми </a:t>
+            </a:r>
+            <a:r>
+              <a:rPr lang="ru-RU" dirty="0" smtClean="0"/>
+              <a:t>данными и методами</a:t>
+            </a:r>
+            <a:endParaRPr lang="ru-RU" dirty="0" smtClean="0"/>
           </a:p>
           <a:p>
             <a:pPr lvl="1"/>
@@ -3329,8 +3334,13 @@
             </a:r>
             <a:r>
               <a:rPr lang="ru-RU" dirty="0" smtClean="0"/>
-              <a:t>Его защищенными полями</a:t>
-            </a:r>
+              <a:t>Его защищенными </a:t>
+            </a:r>
+            <a:r>
+              <a:rPr lang="ru-RU" dirty="0" smtClean="0"/>
+              <a:t>данными и методами</a:t>
+            </a:r>
+            <a:endParaRPr lang="ru-RU" dirty="0" smtClean="0"/>
           </a:p>
           <a:p>
             <a:pPr lvl="1"/>
@@ -3340,8 +3350,13 @@
             </a:r>
             <a:r>
               <a:rPr lang="ru-RU" dirty="0" smtClean="0"/>
-              <a:t>Его публичными полями</a:t>
-            </a:r>
+              <a:t>Его публичными </a:t>
+            </a:r>
+            <a:r>
+              <a:rPr lang="ru-RU" dirty="0" smtClean="0"/>
+              <a:t>данными и методами</a:t>
+            </a:r>
+            <a:endParaRPr lang="ru-RU" dirty="0" smtClean="0"/>
           </a:p>
           <a:p>
             <a:pPr lvl="1"/>

--- a/lectures/02/Тест.pptx
+++ b/lectures/02/Тест.pptx
@@ -111,6 +111,22 @@
       </a:defRPr>
     </a:lvl9pPr>
   </p:defaultTextStyle>
+  <p:extLst>
+    <p:ext uri="{EFAFB233-063F-42B5-8137-9DF3F51BA10A}">
+      <p15:sldGuideLst xmlns:p15="http://schemas.microsoft.com/office/powerpoint/2012/main">
+        <p15:guide id="1" orient="horz" pos="2160">
+          <p15:clr>
+            <a:srgbClr val="A4A3A4"/>
+          </p15:clr>
+        </p15:guide>
+        <p15:guide id="2" pos="2880">
+          <p15:clr>
+            <a:srgbClr val="A4A3A4"/>
+          </p15:clr>
+        </p15:guide>
+      </p15:sldGuideLst>
+    </p:ext>
+  </p:extLst>
 </p:presentation>
 </file>
 
@@ -152,10 +168,9 @@
           <a:lstStyle/>
           <a:p>
             <a:r>
-              <a:rPr lang="ru-RU" smtClean="0"/>
+              <a:rPr lang="ru-RU"/>
               <a:t>Образец заголовка</a:t>
             </a:r>
-            <a:endParaRPr lang="ru-RU"/>
           </a:p>
         </p:txBody>
       </p:sp>
@@ -271,10 +286,9 @@
           </a:lstStyle>
           <a:p>
             <a:r>
-              <a:rPr lang="ru-RU" smtClean="0"/>
+              <a:rPr lang="ru-RU"/>
               <a:t>Образец подзаголовка</a:t>
             </a:r>
-            <a:endParaRPr lang="ru-RU"/>
           </a:p>
         </p:txBody>
       </p:sp>
@@ -295,7 +309,7 @@
           <a:p>
             <a:fld id="{4075B838-E50B-4891-8B04-332C0AF6C361}" type="datetimeFigureOut">
               <a:rPr lang="ru-RU" smtClean="0"/>
-              <a:t>26.03.2020</a:t>
+              <a:t>25.03.2021</a:t>
             </a:fld>
             <a:endParaRPr lang="ru-RU"/>
           </a:p>
@@ -389,10 +403,9 @@
           <a:lstStyle/>
           <a:p>
             <a:r>
-              <a:rPr lang="ru-RU" smtClean="0"/>
+              <a:rPr lang="ru-RU"/>
               <a:t>Образец заголовка</a:t>
             </a:r>
-            <a:endParaRPr lang="ru-RU"/>
           </a:p>
         </p:txBody>
       </p:sp>
@@ -413,38 +426,37 @@
           <a:p>
             <a:pPr lvl="0"/>
             <a:r>
-              <a:rPr lang="ru-RU" smtClean="0"/>
+              <a:rPr lang="ru-RU"/>
               <a:t>Образец текста</a:t>
             </a:r>
           </a:p>
           <a:p>
             <a:pPr lvl="1"/>
             <a:r>
-              <a:rPr lang="ru-RU" smtClean="0"/>
+              <a:rPr lang="ru-RU"/>
               <a:t>Второй уровень</a:t>
             </a:r>
           </a:p>
           <a:p>
             <a:pPr lvl="2"/>
             <a:r>
-              <a:rPr lang="ru-RU" smtClean="0"/>
+              <a:rPr lang="ru-RU"/>
               <a:t>Третий уровень</a:t>
             </a:r>
           </a:p>
           <a:p>
             <a:pPr lvl="3"/>
             <a:r>
-              <a:rPr lang="ru-RU" smtClean="0"/>
+              <a:rPr lang="ru-RU"/>
               <a:t>Четвертый уровень</a:t>
             </a:r>
           </a:p>
           <a:p>
             <a:pPr lvl="4"/>
             <a:r>
-              <a:rPr lang="ru-RU" smtClean="0"/>
+              <a:rPr lang="ru-RU"/>
               <a:t>Пятый уровень</a:t>
             </a:r>
-            <a:endParaRPr lang="ru-RU"/>
           </a:p>
         </p:txBody>
       </p:sp>
@@ -465,7 +477,7 @@
           <a:p>
             <a:fld id="{4075B838-E50B-4891-8B04-332C0AF6C361}" type="datetimeFigureOut">
               <a:rPr lang="ru-RU" smtClean="0"/>
-              <a:t>26.03.2020</a:t>
+              <a:t>25.03.2021</a:t>
             </a:fld>
             <a:endParaRPr lang="ru-RU"/>
           </a:p>
@@ -564,10 +576,9 @@
           <a:lstStyle/>
           <a:p>
             <a:r>
-              <a:rPr lang="ru-RU" smtClean="0"/>
+              <a:rPr lang="ru-RU"/>
               <a:t>Образец заголовка</a:t>
             </a:r>
-            <a:endParaRPr lang="ru-RU"/>
           </a:p>
         </p:txBody>
       </p:sp>
@@ -593,38 +604,37 @@
           <a:p>
             <a:pPr lvl="0"/>
             <a:r>
-              <a:rPr lang="ru-RU" smtClean="0"/>
+              <a:rPr lang="ru-RU"/>
               <a:t>Образец текста</a:t>
             </a:r>
           </a:p>
           <a:p>
             <a:pPr lvl="1"/>
             <a:r>
-              <a:rPr lang="ru-RU" smtClean="0"/>
+              <a:rPr lang="ru-RU"/>
               <a:t>Второй уровень</a:t>
             </a:r>
           </a:p>
           <a:p>
             <a:pPr lvl="2"/>
             <a:r>
-              <a:rPr lang="ru-RU" smtClean="0"/>
+              <a:rPr lang="ru-RU"/>
               <a:t>Третий уровень</a:t>
             </a:r>
           </a:p>
           <a:p>
             <a:pPr lvl="3"/>
             <a:r>
-              <a:rPr lang="ru-RU" smtClean="0"/>
+              <a:rPr lang="ru-RU"/>
               <a:t>Четвертый уровень</a:t>
             </a:r>
           </a:p>
           <a:p>
             <a:pPr lvl="4"/>
             <a:r>
-              <a:rPr lang="ru-RU" smtClean="0"/>
+              <a:rPr lang="ru-RU"/>
               <a:t>Пятый уровень</a:t>
             </a:r>
-            <a:endParaRPr lang="ru-RU"/>
           </a:p>
         </p:txBody>
       </p:sp>
@@ -645,7 +655,7 @@
           <a:p>
             <a:fld id="{4075B838-E50B-4891-8B04-332C0AF6C361}" type="datetimeFigureOut">
               <a:rPr lang="ru-RU" smtClean="0"/>
-              <a:t>26.03.2020</a:t>
+              <a:t>25.03.2021</a:t>
             </a:fld>
             <a:endParaRPr lang="ru-RU"/>
           </a:p>
@@ -739,10 +749,9 @@
           <a:lstStyle/>
           <a:p>
             <a:r>
-              <a:rPr lang="ru-RU" smtClean="0"/>
+              <a:rPr lang="ru-RU"/>
               <a:t>Образец заголовка</a:t>
             </a:r>
-            <a:endParaRPr lang="ru-RU"/>
           </a:p>
         </p:txBody>
       </p:sp>
@@ -763,38 +772,37 @@
           <a:p>
             <a:pPr lvl="0"/>
             <a:r>
-              <a:rPr lang="ru-RU" smtClean="0"/>
+              <a:rPr lang="ru-RU"/>
               <a:t>Образец текста</a:t>
             </a:r>
           </a:p>
           <a:p>
             <a:pPr lvl="1"/>
             <a:r>
-              <a:rPr lang="ru-RU" smtClean="0"/>
+              <a:rPr lang="ru-RU"/>
               <a:t>Второй уровень</a:t>
             </a:r>
           </a:p>
           <a:p>
             <a:pPr lvl="2"/>
             <a:r>
-              <a:rPr lang="ru-RU" smtClean="0"/>
+              <a:rPr lang="ru-RU"/>
               <a:t>Третий уровень</a:t>
             </a:r>
           </a:p>
           <a:p>
             <a:pPr lvl="3"/>
             <a:r>
-              <a:rPr lang="ru-RU" smtClean="0"/>
+              <a:rPr lang="ru-RU"/>
               <a:t>Четвертый уровень</a:t>
             </a:r>
           </a:p>
           <a:p>
             <a:pPr lvl="4"/>
             <a:r>
-              <a:rPr lang="ru-RU" smtClean="0"/>
+              <a:rPr lang="ru-RU"/>
               <a:t>Пятый уровень</a:t>
             </a:r>
-            <a:endParaRPr lang="ru-RU"/>
           </a:p>
         </p:txBody>
       </p:sp>
@@ -815,7 +823,7 @@
           <a:p>
             <a:fld id="{4075B838-E50B-4891-8B04-332C0AF6C361}" type="datetimeFigureOut">
               <a:rPr lang="ru-RU" smtClean="0"/>
-              <a:t>26.03.2020</a:t>
+              <a:t>25.03.2021</a:t>
             </a:fld>
             <a:endParaRPr lang="ru-RU"/>
           </a:p>
@@ -873,13 +881,6 @@
   <p:clrMapOvr>
     <a:masterClrMapping/>
   </p:clrMapOvr>
-  <p:timing>
-    <p:tnLst>
-      <p:par>
-        <p:cTn id="1" dur="indefinite" restart="never" nodeType="tmRoot"/>
-      </p:par>
-    </p:tnLst>
-  </p:timing>
 </p:sldLayout>
 </file>
 
@@ -925,10 +926,9 @@
           </a:lstStyle>
           <a:p>
             <a:r>
-              <a:rPr lang="ru-RU" smtClean="0"/>
+              <a:rPr lang="ru-RU"/>
               <a:t>Образец заголовка</a:t>
             </a:r>
-            <a:endParaRPr lang="ru-RU"/>
           </a:p>
         </p:txBody>
       </p:sp>
@@ -1045,7 +1045,7 @@
           <a:p>
             <a:pPr lvl="0"/>
             <a:r>
-              <a:rPr lang="ru-RU" smtClean="0"/>
+              <a:rPr lang="ru-RU"/>
               <a:t>Образец текста</a:t>
             </a:r>
           </a:p>
@@ -1068,7 +1068,7 @@
           <a:p>
             <a:fld id="{4075B838-E50B-4891-8B04-332C0AF6C361}" type="datetimeFigureOut">
               <a:rPr lang="ru-RU" smtClean="0"/>
-              <a:t>26.03.2020</a:t>
+              <a:t>25.03.2021</a:t>
             </a:fld>
             <a:endParaRPr lang="ru-RU"/>
           </a:p>
@@ -1162,10 +1162,9 @@
           <a:lstStyle/>
           <a:p>
             <a:r>
-              <a:rPr lang="ru-RU" smtClean="0"/>
+              <a:rPr lang="ru-RU"/>
               <a:t>Образец заголовка</a:t>
             </a:r>
-            <a:endParaRPr lang="ru-RU"/>
           </a:p>
         </p:txBody>
       </p:sp>
@@ -1219,38 +1218,37 @@
           <a:p>
             <a:pPr lvl="0"/>
             <a:r>
-              <a:rPr lang="ru-RU" smtClean="0"/>
+              <a:rPr lang="ru-RU"/>
               <a:t>Образец текста</a:t>
             </a:r>
           </a:p>
           <a:p>
             <a:pPr lvl="1"/>
             <a:r>
-              <a:rPr lang="ru-RU" smtClean="0"/>
+              <a:rPr lang="ru-RU"/>
               <a:t>Второй уровень</a:t>
             </a:r>
           </a:p>
           <a:p>
             <a:pPr lvl="2"/>
             <a:r>
-              <a:rPr lang="ru-RU" smtClean="0"/>
+              <a:rPr lang="ru-RU"/>
               <a:t>Третий уровень</a:t>
             </a:r>
           </a:p>
           <a:p>
             <a:pPr lvl="3"/>
             <a:r>
-              <a:rPr lang="ru-RU" smtClean="0"/>
+              <a:rPr lang="ru-RU"/>
               <a:t>Четвертый уровень</a:t>
             </a:r>
           </a:p>
           <a:p>
             <a:pPr lvl="4"/>
             <a:r>
-              <a:rPr lang="ru-RU" smtClean="0"/>
+              <a:rPr lang="ru-RU"/>
               <a:t>Пятый уровень</a:t>
             </a:r>
-            <a:endParaRPr lang="ru-RU"/>
           </a:p>
         </p:txBody>
       </p:sp>
@@ -1304,38 +1302,37 @@
           <a:p>
             <a:pPr lvl="0"/>
             <a:r>
-              <a:rPr lang="ru-RU" smtClean="0"/>
+              <a:rPr lang="ru-RU"/>
               <a:t>Образец текста</a:t>
             </a:r>
           </a:p>
           <a:p>
             <a:pPr lvl="1"/>
             <a:r>
-              <a:rPr lang="ru-RU" smtClean="0"/>
+              <a:rPr lang="ru-RU"/>
               <a:t>Второй уровень</a:t>
             </a:r>
           </a:p>
           <a:p>
             <a:pPr lvl="2"/>
             <a:r>
-              <a:rPr lang="ru-RU" smtClean="0"/>
+              <a:rPr lang="ru-RU"/>
               <a:t>Третий уровень</a:t>
             </a:r>
           </a:p>
           <a:p>
             <a:pPr lvl="3"/>
             <a:r>
-              <a:rPr lang="ru-RU" smtClean="0"/>
+              <a:rPr lang="ru-RU"/>
               <a:t>Четвертый уровень</a:t>
             </a:r>
           </a:p>
           <a:p>
             <a:pPr lvl="4"/>
             <a:r>
-              <a:rPr lang="ru-RU" smtClean="0"/>
+              <a:rPr lang="ru-RU"/>
               <a:t>Пятый уровень</a:t>
             </a:r>
-            <a:endParaRPr lang="ru-RU"/>
           </a:p>
         </p:txBody>
       </p:sp>
@@ -1356,7 +1353,7 @@
           <a:p>
             <a:fld id="{4075B838-E50B-4891-8B04-332C0AF6C361}" type="datetimeFigureOut">
               <a:rPr lang="ru-RU" smtClean="0"/>
-              <a:t>26.03.2020</a:t>
+              <a:t>25.03.2021</a:t>
             </a:fld>
             <a:endParaRPr lang="ru-RU"/>
           </a:p>
@@ -1454,10 +1451,9 @@
           </a:lstStyle>
           <a:p>
             <a:r>
-              <a:rPr lang="ru-RU" smtClean="0"/>
+              <a:rPr lang="ru-RU"/>
               <a:t>Образец заголовка</a:t>
             </a:r>
-            <a:endParaRPr lang="ru-RU"/>
           </a:p>
         </p:txBody>
       </p:sp>
@@ -1520,7 +1516,7 @@
           <a:p>
             <a:pPr lvl="0"/>
             <a:r>
-              <a:rPr lang="ru-RU" smtClean="0"/>
+              <a:rPr lang="ru-RU"/>
               <a:t>Образец текста</a:t>
             </a:r>
           </a:p>
@@ -1576,38 +1572,37 @@
           <a:p>
             <a:pPr lvl="0"/>
             <a:r>
-              <a:rPr lang="ru-RU" smtClean="0"/>
+              <a:rPr lang="ru-RU"/>
               <a:t>Образец текста</a:t>
             </a:r>
           </a:p>
           <a:p>
             <a:pPr lvl="1"/>
             <a:r>
-              <a:rPr lang="ru-RU" smtClean="0"/>
+              <a:rPr lang="ru-RU"/>
               <a:t>Второй уровень</a:t>
             </a:r>
           </a:p>
           <a:p>
             <a:pPr lvl="2"/>
             <a:r>
-              <a:rPr lang="ru-RU" smtClean="0"/>
+              <a:rPr lang="ru-RU"/>
               <a:t>Третий уровень</a:t>
             </a:r>
           </a:p>
           <a:p>
             <a:pPr lvl="3"/>
             <a:r>
-              <a:rPr lang="ru-RU" smtClean="0"/>
+              <a:rPr lang="ru-RU"/>
               <a:t>Четвертый уровень</a:t>
             </a:r>
           </a:p>
           <a:p>
             <a:pPr lvl="4"/>
             <a:r>
-              <a:rPr lang="ru-RU" smtClean="0"/>
+              <a:rPr lang="ru-RU"/>
               <a:t>Пятый уровень</a:t>
             </a:r>
-            <a:endParaRPr lang="ru-RU"/>
           </a:p>
         </p:txBody>
       </p:sp>
@@ -1670,7 +1665,7 @@
           <a:p>
             <a:pPr lvl="0"/>
             <a:r>
-              <a:rPr lang="ru-RU" smtClean="0"/>
+              <a:rPr lang="ru-RU"/>
               <a:t>Образец текста</a:t>
             </a:r>
           </a:p>
@@ -1726,38 +1721,37 @@
           <a:p>
             <a:pPr lvl="0"/>
             <a:r>
-              <a:rPr lang="ru-RU" smtClean="0"/>
+              <a:rPr lang="ru-RU"/>
               <a:t>Образец текста</a:t>
             </a:r>
           </a:p>
           <a:p>
             <a:pPr lvl="1"/>
             <a:r>
-              <a:rPr lang="ru-RU" smtClean="0"/>
+              <a:rPr lang="ru-RU"/>
               <a:t>Второй уровень</a:t>
             </a:r>
           </a:p>
           <a:p>
             <a:pPr lvl="2"/>
             <a:r>
-              <a:rPr lang="ru-RU" smtClean="0"/>
+              <a:rPr lang="ru-RU"/>
               <a:t>Третий уровень</a:t>
             </a:r>
           </a:p>
           <a:p>
             <a:pPr lvl="3"/>
             <a:r>
-              <a:rPr lang="ru-RU" smtClean="0"/>
+              <a:rPr lang="ru-RU"/>
               <a:t>Четвертый уровень</a:t>
             </a:r>
           </a:p>
           <a:p>
             <a:pPr lvl="4"/>
             <a:r>
-              <a:rPr lang="ru-RU" smtClean="0"/>
+              <a:rPr lang="ru-RU"/>
               <a:t>Пятый уровень</a:t>
             </a:r>
-            <a:endParaRPr lang="ru-RU"/>
           </a:p>
         </p:txBody>
       </p:sp>
@@ -1778,7 +1772,7 @@
           <a:p>
             <a:fld id="{4075B838-E50B-4891-8B04-332C0AF6C361}" type="datetimeFigureOut">
               <a:rPr lang="ru-RU" smtClean="0"/>
-              <a:t>26.03.2020</a:t>
+              <a:t>25.03.2021</a:t>
             </a:fld>
             <a:endParaRPr lang="ru-RU"/>
           </a:p>
@@ -1872,10 +1866,9 @@
           <a:lstStyle/>
           <a:p>
             <a:r>
-              <a:rPr lang="ru-RU" smtClean="0"/>
+              <a:rPr lang="ru-RU"/>
               <a:t>Образец заголовка</a:t>
             </a:r>
-            <a:endParaRPr lang="ru-RU"/>
           </a:p>
         </p:txBody>
       </p:sp>
@@ -1896,7 +1889,7 @@
           <a:p>
             <a:fld id="{4075B838-E50B-4891-8B04-332C0AF6C361}" type="datetimeFigureOut">
               <a:rPr lang="ru-RU" smtClean="0"/>
-              <a:t>26.03.2020</a:t>
+              <a:t>25.03.2021</a:t>
             </a:fld>
             <a:endParaRPr lang="ru-RU"/>
           </a:p>
@@ -1991,7 +1984,7 @@
           <a:p>
             <a:fld id="{4075B838-E50B-4891-8B04-332C0AF6C361}" type="datetimeFigureOut">
               <a:rPr lang="ru-RU" smtClean="0"/>
-              <a:t>26.03.2020</a:t>
+              <a:t>25.03.2021</a:t>
             </a:fld>
             <a:endParaRPr lang="ru-RU"/>
           </a:p>
@@ -2094,10 +2087,9 @@
           </a:lstStyle>
           <a:p>
             <a:r>
-              <a:rPr lang="ru-RU" smtClean="0"/>
+              <a:rPr lang="ru-RU"/>
               <a:t>Образец заголовка</a:t>
             </a:r>
-            <a:endParaRPr lang="ru-RU"/>
           </a:p>
         </p:txBody>
       </p:sp>
@@ -2151,38 +2143,37 @@
           <a:p>
             <a:pPr lvl="0"/>
             <a:r>
-              <a:rPr lang="ru-RU" smtClean="0"/>
+              <a:rPr lang="ru-RU"/>
               <a:t>Образец текста</a:t>
             </a:r>
           </a:p>
           <a:p>
             <a:pPr lvl="1"/>
             <a:r>
-              <a:rPr lang="ru-RU" smtClean="0"/>
+              <a:rPr lang="ru-RU"/>
               <a:t>Второй уровень</a:t>
             </a:r>
           </a:p>
           <a:p>
             <a:pPr lvl="2"/>
             <a:r>
-              <a:rPr lang="ru-RU" smtClean="0"/>
+              <a:rPr lang="ru-RU"/>
               <a:t>Третий уровень</a:t>
             </a:r>
           </a:p>
           <a:p>
             <a:pPr lvl="3"/>
             <a:r>
-              <a:rPr lang="ru-RU" smtClean="0"/>
+              <a:rPr lang="ru-RU"/>
               <a:t>Четвертый уровень</a:t>
             </a:r>
           </a:p>
           <a:p>
             <a:pPr lvl="4"/>
             <a:r>
-              <a:rPr lang="ru-RU" smtClean="0"/>
+              <a:rPr lang="ru-RU"/>
               <a:t>Пятый уровень</a:t>
             </a:r>
-            <a:endParaRPr lang="ru-RU"/>
           </a:p>
         </p:txBody>
       </p:sp>
@@ -2245,7 +2236,7 @@
           <a:p>
             <a:pPr lvl="0"/>
             <a:r>
-              <a:rPr lang="ru-RU" smtClean="0"/>
+              <a:rPr lang="ru-RU"/>
               <a:t>Образец текста</a:t>
             </a:r>
           </a:p>
@@ -2268,7 +2259,7 @@
           <a:p>
             <a:fld id="{4075B838-E50B-4891-8B04-332C0AF6C361}" type="datetimeFigureOut">
               <a:rPr lang="ru-RU" smtClean="0"/>
-              <a:t>26.03.2020</a:t>
+              <a:t>25.03.2021</a:t>
             </a:fld>
             <a:endParaRPr lang="ru-RU"/>
           </a:p>
@@ -2371,10 +2362,9 @@
           </a:lstStyle>
           <a:p>
             <a:r>
-              <a:rPr lang="ru-RU" smtClean="0"/>
+              <a:rPr lang="ru-RU"/>
               <a:t>Образец заголовка</a:t>
             </a:r>
-            <a:endParaRPr lang="ru-RU"/>
           </a:p>
         </p:txBody>
       </p:sp>
@@ -2498,7 +2488,7 @@
           <a:p>
             <a:pPr lvl="0"/>
             <a:r>
-              <a:rPr lang="ru-RU" smtClean="0"/>
+              <a:rPr lang="ru-RU"/>
               <a:t>Образец текста</a:t>
             </a:r>
           </a:p>
@@ -2521,7 +2511,7 @@
           <a:p>
             <a:fld id="{4075B838-E50B-4891-8B04-332C0AF6C361}" type="datetimeFigureOut">
               <a:rPr lang="ru-RU" smtClean="0"/>
-              <a:t>26.03.2020</a:t>
+              <a:t>25.03.2021</a:t>
             </a:fld>
             <a:endParaRPr lang="ru-RU"/>
           </a:p>
@@ -2630,10 +2620,9 @@
           <a:lstStyle/>
           <a:p>
             <a:r>
-              <a:rPr lang="ru-RU" smtClean="0"/>
+              <a:rPr lang="ru-RU"/>
               <a:t>Образец заголовка</a:t>
             </a:r>
-            <a:endParaRPr lang="ru-RU"/>
           </a:p>
         </p:txBody>
       </p:sp>
@@ -2664,38 +2653,37 @@
           <a:p>
             <a:pPr lvl="0"/>
             <a:r>
-              <a:rPr lang="ru-RU" smtClean="0"/>
+              <a:rPr lang="ru-RU"/>
               <a:t>Образец текста</a:t>
             </a:r>
           </a:p>
           <a:p>
             <a:pPr lvl="1"/>
             <a:r>
-              <a:rPr lang="ru-RU" smtClean="0"/>
+              <a:rPr lang="ru-RU"/>
               <a:t>Второй уровень</a:t>
             </a:r>
           </a:p>
           <a:p>
             <a:pPr lvl="2"/>
             <a:r>
-              <a:rPr lang="ru-RU" smtClean="0"/>
+              <a:rPr lang="ru-RU"/>
               <a:t>Третий уровень</a:t>
             </a:r>
           </a:p>
           <a:p>
             <a:pPr lvl="3"/>
             <a:r>
-              <a:rPr lang="ru-RU" smtClean="0"/>
+              <a:rPr lang="ru-RU"/>
               <a:t>Четвертый уровень</a:t>
             </a:r>
           </a:p>
           <a:p>
             <a:pPr lvl="4"/>
             <a:r>
-              <a:rPr lang="ru-RU" smtClean="0"/>
+              <a:rPr lang="ru-RU"/>
               <a:t>Пятый уровень</a:t>
             </a:r>
-            <a:endParaRPr lang="ru-RU"/>
           </a:p>
         </p:txBody>
       </p:sp>
@@ -2734,7 +2722,7 @@
           <a:p>
             <a:fld id="{4075B838-E50B-4891-8B04-332C0AF6C361}" type="datetimeFigureOut">
               <a:rPr lang="ru-RU" smtClean="0"/>
-              <a:t>26.03.2020</a:t>
+              <a:t>25.03.2021</a:t>
             </a:fld>
             <a:endParaRPr lang="ru-RU"/>
           </a:p>
@@ -2839,13 +2827,6 @@
     <p:sldLayoutId id="2147483658" r:id="rId10"/>
     <p:sldLayoutId id="2147483659" r:id="rId11"/>
   </p:sldLayoutIdLst>
-  <p:timing>
-    <p:tnLst>
-      <p:par>
-        <p:cTn id="1" dur="indefinite" restart="never" nodeType="tmRoot"/>
-      </p:par>
-    </p:tnLst>
-  </p:timing>
   <p:txStyles>
     <p:titleStyle>
       <a:lvl1pPr algn="ctr" defTabSz="914400" rtl="0" eaLnBrk="1" latinLnBrk="0" hangingPunct="1">
@@ -3132,10 +3113,9 @@
           <a:lstStyle/>
           <a:p>
             <a:r>
-              <a:rPr lang="ru-RU" dirty="0" smtClean="0"/>
+              <a:rPr lang="ru-RU" dirty="0"/>
               <a:t>Вопрос №1</a:t>
             </a:r>
-            <a:endParaRPr lang="ru-RU" dirty="0"/>
           </a:p>
         </p:txBody>
       </p:sp>
@@ -3157,76 +3137,75 @@
           <a:lstStyle/>
           <a:p>
             <a:r>
-              <a:rPr lang="ru-RU" dirty="0" smtClean="0"/>
+              <a:rPr lang="ru-RU" dirty="0"/>
               <a:t>Способность объекта скрывать свое внутреннее устройство, согласно которому объект рассматривается как черный ящик, называется</a:t>
             </a:r>
           </a:p>
           <a:p>
             <a:pPr lvl="1"/>
             <a:r>
-              <a:rPr lang="en-US" dirty="0" smtClean="0"/>
+              <a:rPr lang="en-US" dirty="0"/>
               <a:t>A</a:t>
             </a:r>
             <a:r>
-              <a:rPr lang="ru-RU" dirty="0" smtClean="0"/>
+              <a:rPr lang="ru-RU" dirty="0"/>
               <a:t>. Класс</a:t>
             </a:r>
           </a:p>
           <a:p>
             <a:pPr lvl="1"/>
             <a:r>
-              <a:rPr lang="en-US" dirty="0" smtClean="0"/>
+              <a:rPr lang="en-US" dirty="0"/>
               <a:t>B.</a:t>
             </a:r>
             <a:r>
-              <a:rPr lang="ru-RU" dirty="0" smtClean="0"/>
+              <a:rPr lang="ru-RU" dirty="0"/>
               <a:t> Инкапсуляция</a:t>
             </a:r>
           </a:p>
           <a:p>
             <a:pPr lvl="1"/>
             <a:r>
-              <a:rPr lang="en-US" dirty="0" smtClean="0"/>
+              <a:rPr lang="en-US" dirty="0"/>
               <a:t>C. </a:t>
             </a:r>
             <a:r>
-              <a:rPr lang="ru-RU" dirty="0" smtClean="0"/>
+              <a:rPr lang="ru-RU" dirty="0"/>
               <a:t>Наследование</a:t>
             </a:r>
           </a:p>
           <a:p>
             <a:pPr lvl="1"/>
             <a:r>
-              <a:rPr lang="en-US" dirty="0" smtClean="0"/>
+              <a:rPr lang="en-US" dirty="0"/>
               <a:t>D.</a:t>
             </a:r>
             <a:r>
-              <a:rPr lang="ru-RU" dirty="0" smtClean="0"/>
+              <a:rPr lang="ru-RU" dirty="0"/>
               <a:t> Полиморфизм </a:t>
             </a:r>
           </a:p>
           <a:p>
             <a:pPr lvl="1"/>
             <a:r>
-              <a:rPr lang="en-US" dirty="0" smtClean="0"/>
+              <a:rPr lang="en-US" dirty="0"/>
               <a:t>E. </a:t>
             </a:r>
             <a:r>
-              <a:rPr lang="ru-RU" dirty="0" smtClean="0"/>
+              <a:rPr lang="ru-RU" dirty="0"/>
               <a:t>Абстракция</a:t>
             </a:r>
           </a:p>
           <a:p>
             <a:pPr lvl="1"/>
             <a:r>
-              <a:rPr lang="en-US" dirty="0" smtClean="0"/>
+              <a:rPr lang="en-US" dirty="0"/>
               <a:t>F. </a:t>
             </a:r>
             <a:r>
-              <a:rPr lang="ru-RU" dirty="0" smtClean="0"/>
+              <a:rPr lang="ru-RU" dirty="0"/>
               <a:t>Интерфейс</a:t>
             </a:r>
-            <a:endParaRPr lang="ru-RU" dirty="0"/>
           </a:p>
         </p:txBody>
       </p:sp>
@@ -3240,13 +3219,6 @@
   <p:clrMapOvr>
     <a:masterClrMapping/>
   </p:clrMapOvr>
-  <p:timing>
-    <p:tnLst>
-      <p:par>
-        <p:cTn id="1" dur="indefinite" restart="never" nodeType="tmRoot"/>
-      </p:par>
-    </p:tnLst>
-  </p:timing>
 </p:sld>
 </file>
 
@@ -3283,125 +3255,113 @@
           <a:lstStyle/>
           <a:p>
             <a:r>
-              <a:rPr lang="ru-RU" dirty="0" smtClean="0"/>
+              <a:rPr lang="ru-RU" dirty="0"/>
               <a:t>Вопрос №2</a:t>
             </a:r>
+          </a:p>
+        </p:txBody>
+      </p:sp>
+      <p:sp>
+        <p:nvSpPr>
+          <p:cNvPr id="3" name="Объект 2"/>
+          <p:cNvSpPr>
+            <a:spLocks noGrp="1"/>
+          </p:cNvSpPr>
+          <p:nvPr>
+            <p:ph idx="1"/>
+          </p:nvPr>
+        </p:nvSpPr>
+        <p:spPr/>
+        <p:txBody>
+          <a:bodyPr/>
+          <a:lstStyle/>
+          <a:p>
+            <a:r>
+              <a:rPr lang="ru-RU" dirty="0"/>
+              <a:t>Интерфейс класса определяется</a:t>
+            </a:r>
+          </a:p>
+          <a:p>
+            <a:pPr lvl="1"/>
+            <a:r>
+              <a:rPr lang="en-US" dirty="0"/>
+              <a:t>A. </a:t>
+            </a:r>
+            <a:r>
+              <a:rPr lang="ru-RU" dirty="0"/>
+              <a:t>Его закрытыми данными и методами</a:t>
+            </a:r>
+          </a:p>
+          <a:p>
+            <a:pPr lvl="1"/>
+            <a:r>
+              <a:rPr lang="en-US" dirty="0"/>
+              <a:t>B. </a:t>
+            </a:r>
+            <a:r>
+              <a:rPr lang="ru-RU" dirty="0"/>
+              <a:t>Его защищенными данными и методами</a:t>
+            </a:r>
+          </a:p>
+          <a:p>
+            <a:pPr lvl="1"/>
+            <a:r>
+              <a:rPr lang="en-US" dirty="0"/>
+              <a:t>C. </a:t>
+            </a:r>
+            <a:r>
+              <a:rPr lang="ru-RU" dirty="0"/>
+              <a:t>Его публичными данными и методами</a:t>
+            </a:r>
+          </a:p>
+          <a:p>
+            <a:pPr lvl="1"/>
+            <a:r>
+              <a:rPr lang="en-US" dirty="0"/>
+              <a:t>D. </a:t>
+            </a:r>
+            <a:r>
+              <a:rPr lang="ru-RU" dirty="0"/>
+              <a:t>Его членами-данными</a:t>
+            </a:r>
+          </a:p>
+          <a:p>
+            <a:pPr lvl="1"/>
+            <a:r>
+              <a:rPr lang="en-US" dirty="0"/>
+              <a:t>E. </a:t>
+            </a:r>
+            <a:r>
+              <a:rPr lang="ru-RU" dirty="0"/>
+              <a:t>Всеми его методами</a:t>
+            </a:r>
+          </a:p>
+          <a:p>
+            <a:pPr lvl="1"/>
+            <a:r>
+              <a:rPr lang="en-US" dirty="0"/>
+              <a:t>F. </a:t>
+            </a:r>
+            <a:r>
+              <a:rPr lang="ru-RU" dirty="0"/>
+              <a:t>Его конструктором/</a:t>
+            </a:r>
+            <a:r>
+              <a:rPr lang="ru-RU" dirty="0" err="1"/>
+              <a:t>ами</a:t>
+            </a:r>
             <a:endParaRPr lang="ru-RU" dirty="0"/>
           </a:p>
-        </p:txBody>
-      </p:sp>
-      <p:sp>
-        <p:nvSpPr>
-          <p:cNvPr id="3" name="Объект 2"/>
-          <p:cNvSpPr>
-            <a:spLocks noGrp="1"/>
-          </p:cNvSpPr>
-          <p:nvPr>
-            <p:ph idx="1"/>
-          </p:nvPr>
-        </p:nvSpPr>
-        <p:spPr/>
-        <p:txBody>
-          <a:bodyPr/>
-          <a:lstStyle/>
-          <a:p>
-            <a:r>
-              <a:rPr lang="ru-RU" dirty="0" smtClean="0"/>
-              <a:t>Интерфейс класса определяется</a:t>
-            </a:r>
-          </a:p>
           <a:p>
             <a:pPr lvl="1"/>
             <a:r>
-              <a:rPr lang="en-US" dirty="0" smtClean="0"/>
-              <a:t>A. </a:t>
-            </a:r>
-            <a:r>
-              <a:rPr lang="ru-RU" dirty="0" smtClean="0"/>
-              <a:t>Его закрытыми </a:t>
-            </a:r>
-            <a:r>
-              <a:rPr lang="ru-RU" dirty="0" smtClean="0"/>
-              <a:t>данными и методами</a:t>
-            </a:r>
-            <a:endParaRPr lang="ru-RU" dirty="0" smtClean="0"/>
-          </a:p>
-          <a:p>
-            <a:pPr lvl="1"/>
-            <a:r>
-              <a:rPr lang="en-US" dirty="0" smtClean="0"/>
-              <a:t>B. </a:t>
-            </a:r>
-            <a:r>
-              <a:rPr lang="ru-RU" dirty="0" smtClean="0"/>
-              <a:t>Его защищенными </a:t>
-            </a:r>
-            <a:r>
-              <a:rPr lang="ru-RU" dirty="0" smtClean="0"/>
-              <a:t>данными и методами</a:t>
-            </a:r>
-            <a:endParaRPr lang="ru-RU" dirty="0" smtClean="0"/>
-          </a:p>
-          <a:p>
-            <a:pPr lvl="1"/>
-            <a:r>
-              <a:rPr lang="en-US" dirty="0" smtClean="0"/>
-              <a:t>C. </a:t>
-            </a:r>
-            <a:r>
-              <a:rPr lang="ru-RU" dirty="0" smtClean="0"/>
-              <a:t>Его публичными </a:t>
-            </a:r>
-            <a:r>
-              <a:rPr lang="ru-RU" dirty="0" smtClean="0"/>
-              <a:t>данными и методами</a:t>
-            </a:r>
-            <a:endParaRPr lang="ru-RU" dirty="0" smtClean="0"/>
-          </a:p>
-          <a:p>
-            <a:pPr lvl="1"/>
-            <a:r>
-              <a:rPr lang="en-US" dirty="0" smtClean="0"/>
-              <a:t>D. </a:t>
-            </a:r>
-            <a:r>
-              <a:rPr lang="ru-RU" dirty="0" smtClean="0"/>
-              <a:t>Его членами-данными</a:t>
-            </a:r>
-          </a:p>
-          <a:p>
-            <a:pPr lvl="1"/>
-            <a:r>
-              <a:rPr lang="en-US" dirty="0" smtClean="0"/>
-              <a:t>E. </a:t>
-            </a:r>
-            <a:r>
-              <a:rPr lang="ru-RU" dirty="0" smtClean="0"/>
-              <a:t>Его методами</a:t>
-            </a:r>
-          </a:p>
-          <a:p>
-            <a:pPr lvl="1"/>
-            <a:r>
-              <a:rPr lang="en-US" dirty="0" smtClean="0"/>
-              <a:t>F. </a:t>
-            </a:r>
-            <a:r>
-              <a:rPr lang="ru-RU" dirty="0" smtClean="0"/>
-              <a:t>Его конструктором</a:t>
-            </a:r>
-          </a:p>
-          <a:p>
-            <a:pPr lvl="1"/>
-            <a:r>
-              <a:rPr lang="en-US" dirty="0" smtClean="0"/>
+              <a:rPr lang="en-US" dirty="0"/>
               <a:t>G. </a:t>
             </a:r>
             <a:r>
-              <a:rPr lang="ru-RU" dirty="0" smtClean="0"/>
+              <a:rPr lang="ru-RU" dirty="0"/>
               <a:t>Его деструктором</a:t>
             </a:r>
-            <a:endParaRPr lang="ru-RU" dirty="0"/>
           </a:p>
         </p:txBody>
       </p:sp>
@@ -3415,13 +3375,6 @@
   <p:clrMapOvr>
     <a:masterClrMapping/>
   </p:clrMapOvr>
-  <p:timing>
-    <p:tnLst>
-      <p:par>
-        <p:cTn id="1" dur="indefinite" restart="never" nodeType="tmRoot"/>
-      </p:par>
-    </p:tnLst>
-  </p:timing>
 </p:sld>
 </file>
 
@@ -3458,10 +3411,9 @@
           <a:lstStyle/>
           <a:p>
             <a:r>
-              <a:rPr lang="ru-RU" dirty="0" smtClean="0"/>
+              <a:rPr lang="ru-RU" dirty="0"/>
               <a:t>Вопрос №3</a:t>
             </a:r>
-            <a:endParaRPr lang="ru-RU" dirty="0"/>
           </a:p>
         </p:txBody>
       </p:sp>
@@ -3481,80 +3433,79 @@
           <a:lstStyle/>
           <a:p>
             <a:r>
-              <a:rPr lang="ru-RU" dirty="0" smtClean="0"/>
+              <a:rPr lang="ru-RU" dirty="0"/>
               <a:t>Какие методы класса «Автомобиль» следует объявить константными</a:t>
             </a:r>
           </a:p>
           <a:p>
             <a:pPr lvl="1"/>
             <a:r>
-              <a:rPr lang="en-US" dirty="0" smtClean="0"/>
+              <a:rPr lang="en-US" dirty="0"/>
               <a:t>A. </a:t>
             </a:r>
             <a:r>
-              <a:rPr lang="ru-RU" dirty="0" smtClean="0"/>
+              <a:rPr lang="ru-RU" dirty="0"/>
               <a:t>«Заправить топливом»</a:t>
             </a:r>
           </a:p>
           <a:p>
             <a:pPr lvl="1"/>
             <a:r>
-              <a:rPr lang="en-US" dirty="0" smtClean="0"/>
+              <a:rPr lang="en-US" dirty="0"/>
               <a:t>B. </a:t>
             </a:r>
             <a:r>
-              <a:rPr lang="ru-RU" dirty="0" smtClean="0"/>
+              <a:rPr lang="ru-RU" dirty="0"/>
               <a:t>«Сообщить модель автомобиля»</a:t>
             </a:r>
           </a:p>
           <a:p>
             <a:pPr lvl="1"/>
             <a:r>
-              <a:rPr lang="en-US" dirty="0" smtClean="0"/>
+              <a:rPr lang="en-US" dirty="0"/>
               <a:t>C. </a:t>
             </a:r>
             <a:r>
-              <a:rPr lang="ru-RU" smtClean="0"/>
+              <a:rPr lang="ru-RU"/>
               <a:t>«Узнать цвет </a:t>
             </a:r>
             <a:r>
-              <a:rPr lang="ru-RU" dirty="0" smtClean="0"/>
+              <a:rPr lang="ru-RU" dirty="0"/>
               <a:t>кузова»</a:t>
             </a:r>
           </a:p>
           <a:p>
             <a:pPr lvl="1"/>
             <a:r>
-              <a:rPr lang="en-US" dirty="0" smtClean="0"/>
+              <a:rPr lang="en-US" dirty="0"/>
               <a:t>D. </a:t>
             </a:r>
             <a:r>
-              <a:rPr lang="ru-RU" dirty="0" smtClean="0"/>
+              <a:rPr lang="ru-RU" dirty="0"/>
               <a:t>«Перекрасить кузов»</a:t>
             </a:r>
           </a:p>
           <a:p>
             <a:pPr lvl="1"/>
             <a:r>
-              <a:rPr lang="en-US" dirty="0" smtClean="0"/>
+              <a:rPr lang="en-US" dirty="0"/>
               <a:t>E. </a:t>
             </a:r>
             <a:r>
-              <a:rPr lang="ru-RU" dirty="0" smtClean="0"/>
+              <a:rPr lang="ru-RU" dirty="0"/>
               <a:t>«Узнать количество топлива в бензобаке»</a:t>
             </a:r>
           </a:p>
           <a:p>
             <a:pPr lvl="1"/>
             <a:r>
-              <a:rPr lang="en-US" dirty="0" smtClean="0"/>
+              <a:rPr lang="en-US" dirty="0"/>
               <a:t>F. </a:t>
             </a:r>
             <a:r>
-              <a:rPr lang="ru-RU" dirty="0" smtClean="0"/>
+              <a:rPr lang="ru-RU" dirty="0"/>
               <a:t>«Определить текущую скорость движения»</a:t>
             </a:r>
-            <a:endParaRPr lang="ru-RU" dirty="0"/>
           </a:p>
         </p:txBody>
       </p:sp>
@@ -3568,13 +3519,6 @@
   <p:clrMapOvr>
     <a:masterClrMapping/>
   </p:clrMapOvr>
-  <p:timing>
-    <p:tnLst>
-      <p:par>
-        <p:cTn id="1" dur="indefinite" restart="never" nodeType="tmRoot"/>
-      </p:par>
-    </p:tnLst>
-  </p:timing>
 </p:sld>
 </file>
 
@@ -3611,10 +3555,9 @@
           <a:lstStyle/>
           <a:p>
             <a:r>
-              <a:rPr lang="ru-RU" dirty="0" smtClean="0"/>
+              <a:rPr lang="ru-RU" dirty="0"/>
               <a:t>Вопрос №4</a:t>
             </a:r>
-            <a:endParaRPr lang="ru-RU" dirty="0"/>
           </a:p>
         </p:txBody>
       </p:sp>
@@ -3634,62 +3577,62 @@
           <a:lstStyle/>
           <a:p>
             <a:r>
-              <a:rPr lang="ru-RU" dirty="0" smtClean="0"/>
+              <a:rPr lang="ru-RU" dirty="0"/>
               <a:t>Конструктор класса это</a:t>
             </a:r>
           </a:p>
           <a:p>
             <a:pPr lvl="1"/>
             <a:r>
-              <a:rPr lang="en-US" dirty="0" smtClean="0"/>
+              <a:rPr lang="en-US" dirty="0"/>
               <a:t>A. </a:t>
             </a:r>
             <a:r>
-              <a:rPr lang="ru-RU" dirty="0" smtClean="0"/>
+              <a:rPr lang="ru-RU" dirty="0"/>
               <a:t>Специальный метод класса, выполняющий освобождение занимаемых объектом ресурсов</a:t>
             </a:r>
           </a:p>
           <a:p>
             <a:pPr lvl="1"/>
             <a:r>
-              <a:rPr lang="en-US" dirty="0" smtClean="0"/>
+              <a:rPr lang="en-US" dirty="0"/>
               <a:t>B. </a:t>
             </a:r>
             <a:r>
-              <a:rPr lang="ru-RU" dirty="0" smtClean="0"/>
+              <a:rPr lang="ru-RU" dirty="0"/>
               <a:t>Его базовый класс</a:t>
             </a:r>
           </a:p>
           <a:p>
             <a:pPr lvl="1"/>
             <a:r>
-              <a:rPr lang="en-US" dirty="0" smtClean="0"/>
+              <a:rPr lang="en-US" dirty="0"/>
               <a:t>C. </a:t>
             </a:r>
             <a:r>
-              <a:rPr lang="ru-RU" dirty="0" smtClean="0"/>
+              <a:rPr lang="ru-RU" dirty="0"/>
               <a:t>Специальный метод класса, выполняющий инициализацию начального состояния объекта</a:t>
             </a:r>
           </a:p>
           <a:p>
             <a:pPr lvl="1"/>
             <a:r>
-              <a:rPr lang="en-US" dirty="0" smtClean="0"/>
+              <a:rPr lang="en-US" dirty="0"/>
               <a:t>D. </a:t>
             </a:r>
             <a:r>
-              <a:rPr lang="ru-RU" dirty="0" smtClean="0"/>
+              <a:rPr lang="ru-RU" dirty="0"/>
               <a:t>Список инициализации</a:t>
             </a:r>
           </a:p>
           <a:p>
             <a:pPr lvl="1"/>
             <a:r>
-              <a:rPr lang="en-US" dirty="0" smtClean="0"/>
+              <a:rPr lang="en-US" dirty="0"/>
               <a:t>E. </a:t>
             </a:r>
             <a:r>
-              <a:rPr lang="ru-RU" dirty="0" smtClean="0"/>
+              <a:rPr lang="ru-RU" dirty="0"/>
               <a:t>Программист, выполняющий разработку и проектирование внутреннего устройства класса</a:t>
             </a:r>
           </a:p>
@@ -3705,13 +3648,6 @@
   <p:clrMapOvr>
     <a:masterClrMapping/>
   </p:clrMapOvr>
-  <p:timing>
-    <p:tnLst>
-      <p:par>
-        <p:cTn id="1" dur="indefinite" restart="never" nodeType="tmRoot"/>
-      </p:par>
-    </p:tnLst>
-  </p:timing>
 </p:sld>
 </file>
 
@@ -3780,13 +3716,6 @@
   <p:clrMapOvr>
     <a:masterClrMapping/>
   </p:clrMapOvr>
-  <p:timing>
-    <p:tnLst>
-      <p:par>
-        <p:cTn id="1" dur="indefinite" restart="never" nodeType="tmRoot"/>
-      </p:par>
-    </p:tnLst>
-  </p:timing>
 </p:sld>
 </file>
 

--- a/lectures/02/Тест.pptx
+++ b/lectures/02/Тест.pptx
@@ -309,7 +309,7 @@
           <a:p>
             <a:fld id="{4075B838-E50B-4891-8B04-332C0AF6C361}" type="datetimeFigureOut">
               <a:rPr lang="ru-RU" smtClean="0"/>
-              <a:t>25.03.2021</a:t>
+              <a:t>14.04.2022</a:t>
             </a:fld>
             <a:endParaRPr lang="ru-RU"/>
           </a:p>
@@ -477,7 +477,7 @@
           <a:p>
             <a:fld id="{4075B838-E50B-4891-8B04-332C0AF6C361}" type="datetimeFigureOut">
               <a:rPr lang="ru-RU" smtClean="0"/>
-              <a:t>25.03.2021</a:t>
+              <a:t>14.04.2022</a:t>
             </a:fld>
             <a:endParaRPr lang="ru-RU"/>
           </a:p>
@@ -655,7 +655,7 @@
           <a:p>
             <a:fld id="{4075B838-E50B-4891-8B04-332C0AF6C361}" type="datetimeFigureOut">
               <a:rPr lang="ru-RU" smtClean="0"/>
-              <a:t>25.03.2021</a:t>
+              <a:t>14.04.2022</a:t>
             </a:fld>
             <a:endParaRPr lang="ru-RU"/>
           </a:p>
@@ -823,7 +823,7 @@
           <a:p>
             <a:fld id="{4075B838-E50B-4891-8B04-332C0AF6C361}" type="datetimeFigureOut">
               <a:rPr lang="ru-RU" smtClean="0"/>
-              <a:t>25.03.2021</a:t>
+              <a:t>14.04.2022</a:t>
             </a:fld>
             <a:endParaRPr lang="ru-RU"/>
           </a:p>
@@ -1068,7 +1068,7 @@
           <a:p>
             <a:fld id="{4075B838-E50B-4891-8B04-332C0AF6C361}" type="datetimeFigureOut">
               <a:rPr lang="ru-RU" smtClean="0"/>
-              <a:t>25.03.2021</a:t>
+              <a:t>14.04.2022</a:t>
             </a:fld>
             <a:endParaRPr lang="ru-RU"/>
           </a:p>
@@ -1353,7 +1353,7 @@
           <a:p>
             <a:fld id="{4075B838-E50B-4891-8B04-332C0AF6C361}" type="datetimeFigureOut">
               <a:rPr lang="ru-RU" smtClean="0"/>
-              <a:t>25.03.2021</a:t>
+              <a:t>14.04.2022</a:t>
             </a:fld>
             <a:endParaRPr lang="ru-RU"/>
           </a:p>
@@ -1772,7 +1772,7 @@
           <a:p>
             <a:fld id="{4075B838-E50B-4891-8B04-332C0AF6C361}" type="datetimeFigureOut">
               <a:rPr lang="ru-RU" smtClean="0"/>
-              <a:t>25.03.2021</a:t>
+              <a:t>14.04.2022</a:t>
             </a:fld>
             <a:endParaRPr lang="ru-RU"/>
           </a:p>
@@ -1889,7 +1889,7 @@
           <a:p>
             <a:fld id="{4075B838-E50B-4891-8B04-332C0AF6C361}" type="datetimeFigureOut">
               <a:rPr lang="ru-RU" smtClean="0"/>
-              <a:t>25.03.2021</a:t>
+              <a:t>14.04.2022</a:t>
             </a:fld>
             <a:endParaRPr lang="ru-RU"/>
           </a:p>
@@ -1984,7 +1984,7 @@
           <a:p>
             <a:fld id="{4075B838-E50B-4891-8B04-332C0AF6C361}" type="datetimeFigureOut">
               <a:rPr lang="ru-RU" smtClean="0"/>
-              <a:t>25.03.2021</a:t>
+              <a:t>14.04.2022</a:t>
             </a:fld>
             <a:endParaRPr lang="ru-RU"/>
           </a:p>
@@ -2259,7 +2259,7 @@
           <a:p>
             <a:fld id="{4075B838-E50B-4891-8B04-332C0AF6C361}" type="datetimeFigureOut">
               <a:rPr lang="ru-RU" smtClean="0"/>
-              <a:t>25.03.2021</a:t>
+              <a:t>14.04.2022</a:t>
             </a:fld>
             <a:endParaRPr lang="ru-RU"/>
           </a:p>
@@ -2511,7 +2511,7 @@
           <a:p>
             <a:fld id="{4075B838-E50B-4891-8B04-332C0AF6C361}" type="datetimeFigureOut">
               <a:rPr lang="ru-RU" smtClean="0"/>
-              <a:t>25.03.2021</a:t>
+              <a:t>14.04.2022</a:t>
             </a:fld>
             <a:endParaRPr lang="ru-RU"/>
           </a:p>
@@ -2722,7 +2722,7 @@
           <a:p>
             <a:fld id="{4075B838-E50B-4891-8B04-332C0AF6C361}" type="datetimeFigureOut">
               <a:rPr lang="ru-RU" smtClean="0"/>
-              <a:t>25.03.2021</a:t>
+              <a:t>14.04.2022</a:t>
             </a:fld>
             <a:endParaRPr lang="ru-RU"/>
           </a:p>
@@ -3273,12 +3273,22 @@
         </p:nvSpPr>
         <p:spPr/>
         <p:txBody>
-          <a:bodyPr/>
+          <a:bodyPr>
+            <a:normAutofit/>
+          </a:bodyPr>
           <a:lstStyle/>
           <a:p>
             <a:r>
               <a:rPr lang="ru-RU" dirty="0"/>
-              <a:t>Интерфейс класса определяется</a:t>
+              <a:t>Что определяет интерфейс класса</a:t>
+            </a:r>
+            <a:r>
+              <a:rPr lang="en-US" dirty="0"/>
+              <a:t>?</a:t>
+            </a:r>
+            <a:r>
+              <a:rPr lang="ru-RU" dirty="0"/>
+              <a:t> </a:t>
             </a:r>
           </a:p>
           <a:p>
@@ -3289,7 +3299,7 @@
             </a:r>
             <a:r>
               <a:rPr lang="ru-RU" dirty="0"/>
-              <a:t>Его закрытыми данными и методами</a:t>
+              <a:t>Его закрытые данные и методы</a:t>
             </a:r>
           </a:p>
           <a:p>
@@ -3300,7 +3310,7 @@
             </a:r>
             <a:r>
               <a:rPr lang="ru-RU" dirty="0"/>
-              <a:t>Его защищенными данными и методами</a:t>
+              <a:t>Его защищенные данные и методы</a:t>
             </a:r>
           </a:p>
           <a:p>
@@ -3311,7 +3321,7 @@
             </a:r>
             <a:r>
               <a:rPr lang="ru-RU" dirty="0"/>
-              <a:t>Его публичными данными и методами</a:t>
+              <a:t>Его публичные данные и методы</a:t>
             </a:r>
           </a:p>
           <a:p>
@@ -3322,7 +3332,7 @@
             </a:r>
             <a:r>
               <a:rPr lang="ru-RU" dirty="0"/>
-              <a:t>Его членами-данными</a:t>
+              <a:t>Его члены-данными</a:t>
             </a:r>
           </a:p>
           <a:p>
@@ -3466,12 +3476,8 @@
               <a:t>C. </a:t>
             </a:r>
             <a:r>
-              <a:rPr lang="ru-RU"/>
-              <a:t>«Узнать цвет </a:t>
-            </a:r>
-            <a:r>
               <a:rPr lang="ru-RU" dirty="0"/>
-              <a:t>кузова»</a:t>
+              <a:t>«Узнать цвет кузова»</a:t>
             </a:r>
           </a:p>
           <a:p>
@@ -3504,7 +3510,7 @@
             </a:r>
             <a:r>
               <a:rPr lang="ru-RU" dirty="0"/>
-              <a:t>«Определить текущую скорость движения»</a:t>
+              <a:t>«Вернуть текущую скорость движения»</a:t>
             </a:r>
           </a:p>
         </p:txBody>
